--- a/ppt_chapter3.pptx
+++ b/ppt_chapter3.pptx
@@ -7,6 +7,9 @@
   <p:sldIdLst>
     <p:sldId id="256" r:id="rId2"/>
     <p:sldId id="257" r:id="rId3"/>
+    <p:sldId id="258" r:id="rId4"/>
+    <p:sldId id="259" r:id="rId5"/>
+    <p:sldId id="260" r:id="rId6"/>
   </p:sldIdLst>
   <p:sldSz cx="12192000" cy="6858000"/>
   <p:notesSz cx="6858000" cy="9144000"/>
@@ -5970,8 +5973,8 @@
         </p:nvSpPr>
         <p:spPr>
           <a:xfrm>
-            <a:off x="973667" y="4609633"/>
-            <a:ext cx="7766936" cy="1096899"/>
+            <a:off x="733424" y="4997219"/>
+            <a:ext cx="11458576" cy="1096899"/>
           </a:xfrm>
           <a:prstGeom prst="rect">
             <a:avLst/>
@@ -6203,17 +6206,1886 @@
           <a:p>
             <a:pPr algn="l"/>
             <a:r>
-              <a:rPr lang="ko-KR" altLang="en-US" dirty="0" err="1" smtClean="0"/>
-              <a:t>ㅂ</a:t>
-            </a:r>
-            <a:endParaRPr lang="zh-CN" altLang="en-US" dirty="0"/>
-          </a:p>
-        </p:txBody>
-      </p:sp>
+              <a:rPr lang="en-US" altLang="zh-CN" b="1" dirty="0" err="1" smtClean="0">
+                <a:solidFill>
+                  <a:srgbClr val="FF0000"/>
+                </a:solidFill>
+              </a:rPr>
+              <a:t>Git</a:t>
+            </a:r>
+            <a:r>
+              <a:rPr lang="en-US" altLang="zh-CN" b="1" dirty="0" smtClean="0">
+                <a:solidFill>
+                  <a:srgbClr val="FF0000"/>
+                </a:solidFill>
+              </a:rPr>
+              <a:t> Branch </a:t>
+            </a:r>
+            <a:r>
+              <a:rPr lang="ko-KR" altLang="en-US" b="1" dirty="0" err="1" smtClean="0">
+                <a:solidFill>
+                  <a:srgbClr val="FF0000"/>
+                </a:solidFill>
+              </a:rPr>
+              <a:t>브런치명</a:t>
+            </a:r>
+            <a:r>
+              <a:rPr lang="ko-KR" altLang="en-US" b="1" dirty="0" smtClean="0">
+                <a:solidFill>
+                  <a:srgbClr val="FF0000"/>
+                </a:solidFill>
+              </a:rPr>
+              <a:t>   </a:t>
+            </a:r>
+            <a:r>
+              <a:rPr lang="ko-KR" altLang="en-US" b="1" dirty="0" smtClean="0">
+                <a:solidFill>
+                  <a:schemeClr val="tx1"/>
+                </a:solidFill>
+              </a:rPr>
+              <a:t>을 입력하여 브런치를 생성할 수 있다</a:t>
+            </a:r>
+            <a:r>
+              <a:rPr lang="en-US" altLang="ko-KR" b="1" dirty="0" smtClean="0">
+                <a:solidFill>
+                  <a:schemeClr val="tx1"/>
+                </a:solidFill>
+              </a:rPr>
+              <a:t>. </a:t>
+            </a:r>
+          </a:p>
+          <a:p>
+            <a:pPr algn="l"/>
+            <a:r>
+              <a:rPr lang="en-US" altLang="ko-KR" b="1" dirty="0" smtClean="0">
+                <a:solidFill>
+                  <a:schemeClr val="tx1"/>
+                </a:solidFill>
+              </a:rPr>
+              <a:t>(</a:t>
+            </a:r>
+            <a:r>
+              <a:rPr lang="ko-KR" altLang="en-US" b="1" dirty="0" smtClean="0">
+                <a:solidFill>
+                  <a:schemeClr val="tx1"/>
+                </a:solidFill>
+              </a:rPr>
+              <a:t>브런치 생성시 가장 마지막에 커밋한 스냅샷을 가리킴</a:t>
+            </a:r>
+            <a:r>
+              <a:rPr lang="en-US" altLang="ko-KR" b="1" dirty="0" smtClean="0">
+                <a:solidFill>
+                  <a:schemeClr val="tx1"/>
+                </a:solidFill>
+              </a:rPr>
+              <a:t>) </a:t>
+            </a:r>
+            <a:endParaRPr lang="zh-CN" altLang="en-US" b="1" dirty="0">
+              <a:solidFill>
+                <a:srgbClr val="FF0000"/>
+              </a:solidFill>
+            </a:endParaRPr>
+          </a:p>
+        </p:txBody>
+      </p:sp>
+      <p:pic>
+        <p:nvPicPr>
+          <p:cNvPr id="2" name="그림 1"/>
+          <p:cNvPicPr>
+            <a:picLocks noChangeAspect="1"/>
+          </p:cNvPicPr>
+          <p:nvPr/>
+        </p:nvPicPr>
+        <p:blipFill>
+          <a:blip r:embed="rId2"/>
+          <a:stretch>
+            <a:fillRect/>
+          </a:stretch>
+        </p:blipFill>
+        <p:spPr>
+          <a:xfrm>
+            <a:off x="733424" y="713082"/>
+            <a:ext cx="10798175" cy="2169818"/>
+          </a:xfrm>
+          <a:prstGeom prst="rect">
+            <a:avLst/>
+          </a:prstGeom>
+        </p:spPr>
+      </p:pic>
+      <p:pic>
+        <p:nvPicPr>
+          <p:cNvPr id="6" name="그림 5"/>
+          <p:cNvPicPr>
+            <a:picLocks noChangeAspect="1"/>
+          </p:cNvPicPr>
+          <p:nvPr/>
+        </p:nvPicPr>
+        <p:blipFill>
+          <a:blip r:embed="rId3"/>
+          <a:stretch>
+            <a:fillRect/>
+          </a:stretch>
+        </p:blipFill>
+        <p:spPr>
+          <a:xfrm>
+            <a:off x="733424" y="2882900"/>
+            <a:ext cx="5845176" cy="1041400"/>
+          </a:xfrm>
+          <a:prstGeom prst="rect">
+            <a:avLst/>
+          </a:prstGeom>
+        </p:spPr>
+      </p:pic>
+      <p:pic>
+        <p:nvPicPr>
+          <p:cNvPr id="7" name="그림 6"/>
+          <p:cNvPicPr>
+            <a:picLocks noChangeAspect="1"/>
+          </p:cNvPicPr>
+          <p:nvPr/>
+        </p:nvPicPr>
+        <p:blipFill>
+          <a:blip r:embed="rId4"/>
+          <a:stretch>
+            <a:fillRect/>
+          </a:stretch>
+        </p:blipFill>
+        <p:spPr>
+          <a:xfrm>
+            <a:off x="733424" y="2822809"/>
+            <a:ext cx="10798175" cy="1161582"/>
+          </a:xfrm>
+          <a:prstGeom prst="rect">
+            <a:avLst/>
+          </a:prstGeom>
+        </p:spPr>
+      </p:pic>
+      <p:pic>
+        <p:nvPicPr>
+          <p:cNvPr id="8" name="그림 7"/>
+          <p:cNvPicPr>
+            <a:picLocks noChangeAspect="1"/>
+          </p:cNvPicPr>
+          <p:nvPr/>
+        </p:nvPicPr>
+        <p:blipFill>
+          <a:blip r:embed="rId5"/>
+          <a:stretch>
+            <a:fillRect/>
+          </a:stretch>
+        </p:blipFill>
+        <p:spPr>
+          <a:xfrm>
+            <a:off x="733424" y="2869966"/>
+            <a:ext cx="8618220" cy="1114425"/>
+          </a:xfrm>
+          <a:prstGeom prst="rect">
+            <a:avLst/>
+          </a:prstGeom>
+        </p:spPr>
+      </p:pic>
+      <p:pic>
+        <p:nvPicPr>
+          <p:cNvPr id="9" name="그림 8"/>
+          <p:cNvPicPr>
+            <a:picLocks noChangeAspect="1"/>
+          </p:cNvPicPr>
+          <p:nvPr/>
+        </p:nvPicPr>
+        <p:blipFill>
+          <a:blip r:embed="rId6"/>
+          <a:stretch>
+            <a:fillRect/>
+          </a:stretch>
+        </p:blipFill>
+        <p:spPr>
+          <a:xfrm>
+            <a:off x="733424" y="3984391"/>
+            <a:ext cx="8486775" cy="675219"/>
+          </a:xfrm>
+          <a:prstGeom prst="rect">
+            <a:avLst/>
+          </a:prstGeom>
+        </p:spPr>
+      </p:pic>
     </p:spTree>
     <p:extLst>
       <p:ext uri="{BB962C8B-B14F-4D97-AF65-F5344CB8AC3E}">
         <p14:creationId xmlns:p14="http://schemas.microsoft.com/office/powerpoint/2010/main" val="4233625584"/>
+      </p:ext>
+    </p:extLst>
+  </p:cSld>
+  <p:clrMapOvr>
+    <a:masterClrMapping/>
+  </p:clrMapOvr>
+</p:sld>
+</file>
+
+<file path=ppt/slides/slide3.xml><?xml version="1.0" encoding="utf-8"?>
+<p:sld xmlns:a="http://schemas.openxmlformats.org/drawingml/2006/main" xmlns:r="http://schemas.openxmlformats.org/officeDocument/2006/relationships" xmlns:p="http://schemas.openxmlformats.org/presentationml/2006/main">
+  <p:cSld>
+    <p:spTree>
+      <p:nvGrpSpPr>
+        <p:cNvPr id="1" name=""/>
+        <p:cNvGrpSpPr/>
+        <p:nvPr/>
+      </p:nvGrpSpPr>
+      <p:grpSpPr>
+        <a:xfrm>
+          <a:off x="0" y="0"/>
+          <a:ext cx="0" cy="0"/>
+          <a:chOff x="0" y="0"/>
+          <a:chExt cx="0" cy="0"/>
+        </a:xfrm>
+      </p:grpSpPr>
+      <p:sp>
+        <p:nvSpPr>
+          <p:cNvPr id="3" name="부제목 2"/>
+          <p:cNvSpPr>
+            <a:spLocks noGrp="1"/>
+          </p:cNvSpPr>
+          <p:nvPr>
+            <p:ph type="subTitle" idx="1"/>
+          </p:nvPr>
+        </p:nvSpPr>
+        <p:spPr>
+          <a:xfrm>
+            <a:off x="1316567" y="164633"/>
+            <a:ext cx="7766936" cy="1096899"/>
+          </a:xfrm>
+        </p:spPr>
+        <p:txBody>
+          <a:bodyPr/>
+          <a:lstStyle/>
+          <a:p>
+            <a:pPr algn="ctr"/>
+            <a:r>
+              <a:rPr lang="ko-KR" altLang="en-US" b="1" dirty="0" smtClean="0">
+                <a:solidFill>
+                  <a:schemeClr val="tx1"/>
+                </a:solidFill>
+              </a:rPr>
+              <a:t>브런치 이동</a:t>
+            </a:r>
+            <a:endParaRPr lang="zh-CN" altLang="en-US" b="1" dirty="0">
+              <a:solidFill>
+                <a:schemeClr val="tx1"/>
+              </a:solidFill>
+            </a:endParaRPr>
+          </a:p>
+        </p:txBody>
+      </p:sp>
+      <p:sp>
+        <p:nvSpPr>
+          <p:cNvPr id="5" name="부제목 2"/>
+          <p:cNvSpPr txBox="1">
+            <a:spLocks/>
+          </p:cNvSpPr>
+          <p:nvPr/>
+        </p:nvSpPr>
+        <p:spPr>
+          <a:xfrm>
+            <a:off x="928072" y="2165119"/>
+            <a:ext cx="11458576" cy="1096899"/>
+          </a:xfrm>
+          <a:prstGeom prst="rect">
+            <a:avLst/>
+          </a:prstGeom>
+        </p:spPr>
+        <p:txBody>
+          <a:bodyPr vert="horz" lIns="91440" tIns="45720" rIns="91440" bIns="45720" rtlCol="0" anchor="t">
+            <a:normAutofit/>
+          </a:bodyPr>
+          <a:lstStyle>
+            <a:lvl1pPr marL="0" indent="0" algn="r" defTabSz="457200" rtl="0" eaLnBrk="1" latinLnBrk="0" hangingPunct="1">
+              <a:spcBef>
+                <a:spcPts val="1000"/>
+              </a:spcBef>
+              <a:spcAft>
+                <a:spcPts val="0"/>
+              </a:spcAft>
+              <a:buClr>
+                <a:schemeClr val="accent1"/>
+              </a:buClr>
+              <a:buSzPct val="80000"/>
+              <a:buFont typeface="Wingdings 3" charset="2"/>
+              <a:buNone/>
+              <a:defRPr sz="1800" kern="1200">
+                <a:solidFill>
+                  <a:schemeClr val="tx1">
+                    <a:lumMod val="50000"/>
+                    <a:lumOff val="50000"/>
+                  </a:schemeClr>
+                </a:solidFill>
+                <a:latin typeface="+mn-lt"/>
+                <a:ea typeface="+mn-ea"/>
+                <a:cs typeface="+mn-cs"/>
+              </a:defRPr>
+            </a:lvl1pPr>
+            <a:lvl2pPr marL="457200" indent="0" algn="ctr" defTabSz="457200" rtl="0" eaLnBrk="1" latinLnBrk="0" hangingPunct="1">
+              <a:spcBef>
+                <a:spcPts val="1000"/>
+              </a:spcBef>
+              <a:spcAft>
+                <a:spcPts val="0"/>
+              </a:spcAft>
+              <a:buClr>
+                <a:schemeClr val="accent1"/>
+              </a:buClr>
+              <a:buSzPct val="80000"/>
+              <a:buFont typeface="Wingdings 3" charset="2"/>
+              <a:buNone/>
+              <a:defRPr sz="1600" kern="1200">
+                <a:solidFill>
+                  <a:schemeClr val="tx1">
+                    <a:tint val="75000"/>
+                  </a:schemeClr>
+                </a:solidFill>
+                <a:latin typeface="+mn-lt"/>
+                <a:ea typeface="+mn-ea"/>
+                <a:cs typeface="+mn-cs"/>
+              </a:defRPr>
+            </a:lvl2pPr>
+            <a:lvl3pPr marL="914400" indent="0" algn="ctr" defTabSz="457200" rtl="0" eaLnBrk="1" latinLnBrk="0" hangingPunct="1">
+              <a:spcBef>
+                <a:spcPts val="1000"/>
+              </a:spcBef>
+              <a:spcAft>
+                <a:spcPts val="0"/>
+              </a:spcAft>
+              <a:buClr>
+                <a:schemeClr val="accent1"/>
+              </a:buClr>
+              <a:buSzPct val="80000"/>
+              <a:buFont typeface="Wingdings 3" charset="2"/>
+              <a:buNone/>
+              <a:defRPr sz="1400" kern="1200">
+                <a:solidFill>
+                  <a:schemeClr val="tx1">
+                    <a:tint val="75000"/>
+                  </a:schemeClr>
+                </a:solidFill>
+                <a:latin typeface="+mn-lt"/>
+                <a:ea typeface="+mn-ea"/>
+                <a:cs typeface="+mn-cs"/>
+              </a:defRPr>
+            </a:lvl3pPr>
+            <a:lvl4pPr marL="1371600" indent="0" algn="ctr" defTabSz="457200" rtl="0" eaLnBrk="1" latinLnBrk="0" hangingPunct="1">
+              <a:spcBef>
+                <a:spcPts val="1000"/>
+              </a:spcBef>
+              <a:spcAft>
+                <a:spcPts val="0"/>
+              </a:spcAft>
+              <a:buClr>
+                <a:schemeClr val="accent1"/>
+              </a:buClr>
+              <a:buSzPct val="80000"/>
+              <a:buFont typeface="Wingdings 3" charset="2"/>
+              <a:buNone/>
+              <a:defRPr sz="1200" kern="1200">
+                <a:solidFill>
+                  <a:schemeClr val="tx1">
+                    <a:tint val="75000"/>
+                  </a:schemeClr>
+                </a:solidFill>
+                <a:latin typeface="+mn-lt"/>
+                <a:ea typeface="+mn-ea"/>
+                <a:cs typeface="+mn-cs"/>
+              </a:defRPr>
+            </a:lvl4pPr>
+            <a:lvl5pPr marL="1828800" indent="0" algn="ctr" defTabSz="457200" rtl="0" eaLnBrk="1" latinLnBrk="0" hangingPunct="1">
+              <a:spcBef>
+                <a:spcPts val="1000"/>
+              </a:spcBef>
+              <a:spcAft>
+                <a:spcPts val="0"/>
+              </a:spcAft>
+              <a:buClr>
+                <a:schemeClr val="accent1"/>
+              </a:buClr>
+              <a:buSzPct val="80000"/>
+              <a:buFont typeface="Wingdings 3" charset="2"/>
+              <a:buNone/>
+              <a:defRPr sz="1200" kern="1200">
+                <a:solidFill>
+                  <a:schemeClr val="tx1">
+                    <a:tint val="75000"/>
+                  </a:schemeClr>
+                </a:solidFill>
+                <a:latin typeface="+mn-lt"/>
+                <a:ea typeface="+mn-ea"/>
+                <a:cs typeface="+mn-cs"/>
+              </a:defRPr>
+            </a:lvl5pPr>
+            <a:lvl6pPr marL="2286000" indent="0" algn="ctr" defTabSz="457200" rtl="0" eaLnBrk="1" latinLnBrk="0" hangingPunct="1">
+              <a:spcBef>
+                <a:spcPts val="1000"/>
+              </a:spcBef>
+              <a:spcAft>
+                <a:spcPts val="0"/>
+              </a:spcAft>
+              <a:buClr>
+                <a:schemeClr val="accent1"/>
+              </a:buClr>
+              <a:buSzPct val="80000"/>
+              <a:buFont typeface="Wingdings 3" charset="2"/>
+              <a:buNone/>
+              <a:defRPr sz="1200" kern="1200">
+                <a:solidFill>
+                  <a:schemeClr val="tx1">
+                    <a:tint val="75000"/>
+                  </a:schemeClr>
+                </a:solidFill>
+                <a:latin typeface="+mn-lt"/>
+                <a:ea typeface="+mn-ea"/>
+                <a:cs typeface="+mn-cs"/>
+              </a:defRPr>
+            </a:lvl6pPr>
+            <a:lvl7pPr marL="2743200" indent="0" algn="ctr" defTabSz="457200" rtl="0" eaLnBrk="1" latinLnBrk="0" hangingPunct="1">
+              <a:spcBef>
+                <a:spcPts val="1000"/>
+              </a:spcBef>
+              <a:spcAft>
+                <a:spcPts val="0"/>
+              </a:spcAft>
+              <a:buClr>
+                <a:schemeClr val="accent1"/>
+              </a:buClr>
+              <a:buSzPct val="80000"/>
+              <a:buFont typeface="Wingdings 3" charset="2"/>
+              <a:buNone/>
+              <a:defRPr sz="1200" kern="1200">
+                <a:solidFill>
+                  <a:schemeClr val="tx1">
+                    <a:tint val="75000"/>
+                  </a:schemeClr>
+                </a:solidFill>
+                <a:latin typeface="+mn-lt"/>
+                <a:ea typeface="+mn-ea"/>
+                <a:cs typeface="+mn-cs"/>
+              </a:defRPr>
+            </a:lvl7pPr>
+            <a:lvl8pPr marL="3200400" indent="0" algn="ctr" defTabSz="457200" rtl="0" eaLnBrk="1" latinLnBrk="0" hangingPunct="1">
+              <a:spcBef>
+                <a:spcPts val="1000"/>
+              </a:spcBef>
+              <a:spcAft>
+                <a:spcPts val="0"/>
+              </a:spcAft>
+              <a:buClr>
+                <a:schemeClr val="accent1"/>
+              </a:buClr>
+              <a:buSzPct val="80000"/>
+              <a:buFont typeface="Wingdings 3" charset="2"/>
+              <a:buNone/>
+              <a:defRPr sz="1200" kern="1200">
+                <a:solidFill>
+                  <a:schemeClr val="tx1">
+                    <a:tint val="75000"/>
+                  </a:schemeClr>
+                </a:solidFill>
+                <a:latin typeface="+mn-lt"/>
+                <a:ea typeface="+mn-ea"/>
+                <a:cs typeface="+mn-cs"/>
+              </a:defRPr>
+            </a:lvl8pPr>
+            <a:lvl9pPr marL="3657600" indent="0" algn="ctr" defTabSz="457200" rtl="0" eaLnBrk="1" latinLnBrk="0" hangingPunct="1">
+              <a:spcBef>
+                <a:spcPts val="1000"/>
+              </a:spcBef>
+              <a:spcAft>
+                <a:spcPts val="0"/>
+              </a:spcAft>
+              <a:buClr>
+                <a:schemeClr val="accent1"/>
+              </a:buClr>
+              <a:buSzPct val="80000"/>
+              <a:buFont typeface="Wingdings 3" charset="2"/>
+              <a:buNone/>
+              <a:defRPr sz="1200" kern="1200">
+                <a:solidFill>
+                  <a:schemeClr val="tx1">
+                    <a:tint val="75000"/>
+                  </a:schemeClr>
+                </a:solidFill>
+                <a:latin typeface="+mn-lt"/>
+                <a:ea typeface="+mn-ea"/>
+                <a:cs typeface="+mn-cs"/>
+              </a:defRPr>
+            </a:lvl9pPr>
+          </a:lstStyle>
+          <a:p>
+            <a:pPr algn="l"/>
+            <a:r>
+              <a:rPr lang="en-US" altLang="zh-CN" b="1" dirty="0" err="1" smtClean="0">
+                <a:solidFill>
+                  <a:srgbClr val="FF0000"/>
+                </a:solidFill>
+              </a:rPr>
+              <a:t>Git</a:t>
+            </a:r>
+            <a:r>
+              <a:rPr lang="en-US" altLang="zh-CN" b="1" dirty="0" smtClean="0">
+                <a:solidFill>
+                  <a:srgbClr val="FF0000"/>
+                </a:solidFill>
+              </a:rPr>
+              <a:t> checkout </a:t>
+            </a:r>
+            <a:r>
+              <a:rPr lang="ko-KR" altLang="en-US" b="1" dirty="0" err="1" smtClean="0">
+                <a:solidFill>
+                  <a:srgbClr val="FF0000"/>
+                </a:solidFill>
+              </a:rPr>
+              <a:t>브런치명</a:t>
+            </a:r>
+            <a:r>
+              <a:rPr lang="ko-KR" altLang="en-US" b="1" dirty="0" smtClean="0">
+                <a:solidFill>
+                  <a:srgbClr val="FF0000"/>
+                </a:solidFill>
+              </a:rPr>
+              <a:t>   </a:t>
+            </a:r>
+            <a:r>
+              <a:rPr lang="ko-KR" altLang="en-US" b="1" dirty="0" smtClean="0">
+                <a:solidFill>
+                  <a:schemeClr val="tx1"/>
+                </a:solidFill>
+              </a:rPr>
+              <a:t>을 입력하여 브런치를 이동 할 수 있다</a:t>
+            </a:r>
+            <a:r>
+              <a:rPr lang="en-US" altLang="ko-KR" b="1" dirty="0" smtClean="0">
+                <a:solidFill>
+                  <a:schemeClr val="tx1"/>
+                </a:solidFill>
+              </a:rPr>
+              <a:t>. </a:t>
+            </a:r>
+          </a:p>
+        </p:txBody>
+      </p:sp>
+      <p:pic>
+        <p:nvPicPr>
+          <p:cNvPr id="4" name="그림 3"/>
+          <p:cNvPicPr>
+            <a:picLocks noChangeAspect="1"/>
+          </p:cNvPicPr>
+          <p:nvPr/>
+        </p:nvPicPr>
+        <p:blipFill>
+          <a:blip r:embed="rId2"/>
+          <a:stretch>
+            <a:fillRect/>
+          </a:stretch>
+        </p:blipFill>
+        <p:spPr>
+          <a:xfrm>
+            <a:off x="928072" y="847194"/>
+            <a:ext cx="11168227" cy="1083206"/>
+          </a:xfrm>
+          <a:prstGeom prst="rect">
+            <a:avLst/>
+          </a:prstGeom>
+        </p:spPr>
+      </p:pic>
+      <p:pic>
+        <p:nvPicPr>
+          <p:cNvPr id="10" name="그림 9"/>
+          <p:cNvPicPr>
+            <a:picLocks noChangeAspect="1"/>
+          </p:cNvPicPr>
+          <p:nvPr/>
+        </p:nvPicPr>
+        <p:blipFill>
+          <a:blip r:embed="rId3"/>
+          <a:stretch>
+            <a:fillRect/>
+          </a:stretch>
+        </p:blipFill>
+        <p:spPr>
+          <a:xfrm>
+            <a:off x="928071" y="2833393"/>
+            <a:ext cx="7703103" cy="849607"/>
+          </a:xfrm>
+          <a:prstGeom prst="rect">
+            <a:avLst/>
+          </a:prstGeom>
+        </p:spPr>
+      </p:pic>
+      <p:sp>
+        <p:nvSpPr>
+          <p:cNvPr id="11" name="부제목 2"/>
+          <p:cNvSpPr txBox="1">
+            <a:spLocks/>
+          </p:cNvSpPr>
+          <p:nvPr/>
+        </p:nvSpPr>
+        <p:spPr>
+          <a:xfrm>
+            <a:off x="928071" y="3930292"/>
+            <a:ext cx="11458576" cy="1096899"/>
+          </a:xfrm>
+          <a:prstGeom prst="rect">
+            <a:avLst/>
+          </a:prstGeom>
+        </p:spPr>
+        <p:txBody>
+          <a:bodyPr vert="horz" lIns="91440" tIns="45720" rIns="91440" bIns="45720" rtlCol="0" anchor="t">
+            <a:normAutofit/>
+          </a:bodyPr>
+          <a:lstStyle>
+            <a:lvl1pPr marL="0" indent="0" algn="r" defTabSz="457200" rtl="0" eaLnBrk="1" latinLnBrk="0" hangingPunct="1">
+              <a:spcBef>
+                <a:spcPts val="1000"/>
+              </a:spcBef>
+              <a:spcAft>
+                <a:spcPts val="0"/>
+              </a:spcAft>
+              <a:buClr>
+                <a:schemeClr val="accent1"/>
+              </a:buClr>
+              <a:buSzPct val="80000"/>
+              <a:buFont typeface="Wingdings 3" charset="2"/>
+              <a:buNone/>
+              <a:defRPr sz="1800" kern="1200">
+                <a:solidFill>
+                  <a:schemeClr val="tx1">
+                    <a:lumMod val="50000"/>
+                    <a:lumOff val="50000"/>
+                  </a:schemeClr>
+                </a:solidFill>
+                <a:latin typeface="+mn-lt"/>
+                <a:ea typeface="+mn-ea"/>
+                <a:cs typeface="+mn-cs"/>
+              </a:defRPr>
+            </a:lvl1pPr>
+            <a:lvl2pPr marL="457200" indent="0" algn="ctr" defTabSz="457200" rtl="0" eaLnBrk="1" latinLnBrk="0" hangingPunct="1">
+              <a:spcBef>
+                <a:spcPts val="1000"/>
+              </a:spcBef>
+              <a:spcAft>
+                <a:spcPts val="0"/>
+              </a:spcAft>
+              <a:buClr>
+                <a:schemeClr val="accent1"/>
+              </a:buClr>
+              <a:buSzPct val="80000"/>
+              <a:buFont typeface="Wingdings 3" charset="2"/>
+              <a:buNone/>
+              <a:defRPr sz="1600" kern="1200">
+                <a:solidFill>
+                  <a:schemeClr val="tx1">
+                    <a:tint val="75000"/>
+                  </a:schemeClr>
+                </a:solidFill>
+                <a:latin typeface="+mn-lt"/>
+                <a:ea typeface="+mn-ea"/>
+                <a:cs typeface="+mn-cs"/>
+              </a:defRPr>
+            </a:lvl2pPr>
+            <a:lvl3pPr marL="914400" indent="0" algn="ctr" defTabSz="457200" rtl="0" eaLnBrk="1" latinLnBrk="0" hangingPunct="1">
+              <a:spcBef>
+                <a:spcPts val="1000"/>
+              </a:spcBef>
+              <a:spcAft>
+                <a:spcPts val="0"/>
+              </a:spcAft>
+              <a:buClr>
+                <a:schemeClr val="accent1"/>
+              </a:buClr>
+              <a:buSzPct val="80000"/>
+              <a:buFont typeface="Wingdings 3" charset="2"/>
+              <a:buNone/>
+              <a:defRPr sz="1400" kern="1200">
+                <a:solidFill>
+                  <a:schemeClr val="tx1">
+                    <a:tint val="75000"/>
+                  </a:schemeClr>
+                </a:solidFill>
+                <a:latin typeface="+mn-lt"/>
+                <a:ea typeface="+mn-ea"/>
+                <a:cs typeface="+mn-cs"/>
+              </a:defRPr>
+            </a:lvl3pPr>
+            <a:lvl4pPr marL="1371600" indent="0" algn="ctr" defTabSz="457200" rtl="0" eaLnBrk="1" latinLnBrk="0" hangingPunct="1">
+              <a:spcBef>
+                <a:spcPts val="1000"/>
+              </a:spcBef>
+              <a:spcAft>
+                <a:spcPts val="0"/>
+              </a:spcAft>
+              <a:buClr>
+                <a:schemeClr val="accent1"/>
+              </a:buClr>
+              <a:buSzPct val="80000"/>
+              <a:buFont typeface="Wingdings 3" charset="2"/>
+              <a:buNone/>
+              <a:defRPr sz="1200" kern="1200">
+                <a:solidFill>
+                  <a:schemeClr val="tx1">
+                    <a:tint val="75000"/>
+                  </a:schemeClr>
+                </a:solidFill>
+                <a:latin typeface="+mn-lt"/>
+                <a:ea typeface="+mn-ea"/>
+                <a:cs typeface="+mn-cs"/>
+              </a:defRPr>
+            </a:lvl4pPr>
+            <a:lvl5pPr marL="1828800" indent="0" algn="ctr" defTabSz="457200" rtl="0" eaLnBrk="1" latinLnBrk="0" hangingPunct="1">
+              <a:spcBef>
+                <a:spcPts val="1000"/>
+              </a:spcBef>
+              <a:spcAft>
+                <a:spcPts val="0"/>
+              </a:spcAft>
+              <a:buClr>
+                <a:schemeClr val="accent1"/>
+              </a:buClr>
+              <a:buSzPct val="80000"/>
+              <a:buFont typeface="Wingdings 3" charset="2"/>
+              <a:buNone/>
+              <a:defRPr sz="1200" kern="1200">
+                <a:solidFill>
+                  <a:schemeClr val="tx1">
+                    <a:tint val="75000"/>
+                  </a:schemeClr>
+                </a:solidFill>
+                <a:latin typeface="+mn-lt"/>
+                <a:ea typeface="+mn-ea"/>
+                <a:cs typeface="+mn-cs"/>
+              </a:defRPr>
+            </a:lvl5pPr>
+            <a:lvl6pPr marL="2286000" indent="0" algn="ctr" defTabSz="457200" rtl="0" eaLnBrk="1" latinLnBrk="0" hangingPunct="1">
+              <a:spcBef>
+                <a:spcPts val="1000"/>
+              </a:spcBef>
+              <a:spcAft>
+                <a:spcPts val="0"/>
+              </a:spcAft>
+              <a:buClr>
+                <a:schemeClr val="accent1"/>
+              </a:buClr>
+              <a:buSzPct val="80000"/>
+              <a:buFont typeface="Wingdings 3" charset="2"/>
+              <a:buNone/>
+              <a:defRPr sz="1200" kern="1200">
+                <a:solidFill>
+                  <a:schemeClr val="tx1">
+                    <a:tint val="75000"/>
+                  </a:schemeClr>
+                </a:solidFill>
+                <a:latin typeface="+mn-lt"/>
+                <a:ea typeface="+mn-ea"/>
+                <a:cs typeface="+mn-cs"/>
+              </a:defRPr>
+            </a:lvl6pPr>
+            <a:lvl7pPr marL="2743200" indent="0" algn="ctr" defTabSz="457200" rtl="0" eaLnBrk="1" latinLnBrk="0" hangingPunct="1">
+              <a:spcBef>
+                <a:spcPts val="1000"/>
+              </a:spcBef>
+              <a:spcAft>
+                <a:spcPts val="0"/>
+              </a:spcAft>
+              <a:buClr>
+                <a:schemeClr val="accent1"/>
+              </a:buClr>
+              <a:buSzPct val="80000"/>
+              <a:buFont typeface="Wingdings 3" charset="2"/>
+              <a:buNone/>
+              <a:defRPr sz="1200" kern="1200">
+                <a:solidFill>
+                  <a:schemeClr val="tx1">
+                    <a:tint val="75000"/>
+                  </a:schemeClr>
+                </a:solidFill>
+                <a:latin typeface="+mn-lt"/>
+                <a:ea typeface="+mn-ea"/>
+                <a:cs typeface="+mn-cs"/>
+              </a:defRPr>
+            </a:lvl7pPr>
+            <a:lvl8pPr marL="3200400" indent="0" algn="ctr" defTabSz="457200" rtl="0" eaLnBrk="1" latinLnBrk="0" hangingPunct="1">
+              <a:spcBef>
+                <a:spcPts val="1000"/>
+              </a:spcBef>
+              <a:spcAft>
+                <a:spcPts val="0"/>
+              </a:spcAft>
+              <a:buClr>
+                <a:schemeClr val="accent1"/>
+              </a:buClr>
+              <a:buSzPct val="80000"/>
+              <a:buFont typeface="Wingdings 3" charset="2"/>
+              <a:buNone/>
+              <a:defRPr sz="1200" kern="1200">
+                <a:solidFill>
+                  <a:schemeClr val="tx1">
+                    <a:tint val="75000"/>
+                  </a:schemeClr>
+                </a:solidFill>
+                <a:latin typeface="+mn-lt"/>
+                <a:ea typeface="+mn-ea"/>
+                <a:cs typeface="+mn-cs"/>
+              </a:defRPr>
+            </a:lvl8pPr>
+            <a:lvl9pPr marL="3657600" indent="0" algn="ctr" defTabSz="457200" rtl="0" eaLnBrk="1" latinLnBrk="0" hangingPunct="1">
+              <a:spcBef>
+                <a:spcPts val="1000"/>
+              </a:spcBef>
+              <a:spcAft>
+                <a:spcPts val="0"/>
+              </a:spcAft>
+              <a:buClr>
+                <a:schemeClr val="accent1"/>
+              </a:buClr>
+              <a:buSzPct val="80000"/>
+              <a:buFont typeface="Wingdings 3" charset="2"/>
+              <a:buNone/>
+              <a:defRPr sz="1200" kern="1200">
+                <a:solidFill>
+                  <a:schemeClr val="tx1">
+                    <a:tint val="75000"/>
+                  </a:schemeClr>
+                </a:solidFill>
+                <a:latin typeface="+mn-lt"/>
+                <a:ea typeface="+mn-ea"/>
+                <a:cs typeface="+mn-cs"/>
+              </a:defRPr>
+            </a:lvl9pPr>
+          </a:lstStyle>
+          <a:p>
+            <a:pPr algn="l"/>
+            <a:r>
+              <a:rPr lang="ko-KR" altLang="en-US" b="1" dirty="0" smtClean="0">
+                <a:solidFill>
+                  <a:schemeClr val="tx1"/>
+                </a:solidFill>
+              </a:rPr>
+              <a:t>파란색 괄호 안에 </a:t>
+            </a:r>
+            <a:r>
+              <a:rPr lang="en-US" altLang="ko-KR" b="1" dirty="0" smtClean="0">
+                <a:solidFill>
+                  <a:schemeClr val="tx1"/>
+                </a:solidFill>
+              </a:rPr>
+              <a:t>master </a:t>
+            </a:r>
+            <a:r>
+              <a:rPr lang="ko-KR" altLang="en-US" b="1" dirty="0" smtClean="0">
+                <a:solidFill>
+                  <a:schemeClr val="tx1"/>
+                </a:solidFill>
+              </a:rPr>
+              <a:t>브런치에서 </a:t>
+            </a:r>
+            <a:r>
+              <a:rPr lang="en-US" altLang="ko-KR" b="1" dirty="0" smtClean="0">
+                <a:solidFill>
+                  <a:schemeClr val="tx1"/>
+                </a:solidFill>
+              </a:rPr>
+              <a:t>testing </a:t>
+            </a:r>
+            <a:r>
+              <a:rPr lang="ko-KR" altLang="en-US" b="1" dirty="0" smtClean="0">
+                <a:solidFill>
+                  <a:schemeClr val="tx1"/>
+                </a:solidFill>
+              </a:rPr>
+              <a:t>브런치로 이동한 것이 나온다</a:t>
+            </a:r>
+            <a:r>
+              <a:rPr lang="en-US" altLang="ko-KR" b="1" dirty="0" smtClean="0">
+                <a:solidFill>
+                  <a:schemeClr val="tx1"/>
+                </a:solidFill>
+              </a:rPr>
+              <a:t>.</a:t>
+            </a:r>
+          </a:p>
+          <a:p>
+            <a:pPr algn="l"/>
+            <a:r>
+              <a:rPr lang="en-US" altLang="ko-KR" b="1" dirty="0" smtClean="0">
+                <a:solidFill>
+                  <a:schemeClr val="tx1"/>
+                </a:solidFill>
+              </a:rPr>
+              <a:t>HEAD</a:t>
+            </a:r>
+            <a:r>
+              <a:rPr lang="ko-KR" altLang="en-US" b="1" dirty="0" smtClean="0">
+                <a:solidFill>
+                  <a:schemeClr val="tx1"/>
+                </a:solidFill>
+              </a:rPr>
+              <a:t>의 표시</a:t>
+            </a:r>
+            <a:endParaRPr lang="en-US" altLang="ko-KR" b="1" dirty="0" smtClean="0">
+              <a:solidFill>
+                <a:schemeClr val="tx1"/>
+              </a:solidFill>
+            </a:endParaRPr>
+          </a:p>
+        </p:txBody>
+      </p:sp>
+      <p:pic>
+        <p:nvPicPr>
+          <p:cNvPr id="12" name="그림 11"/>
+          <p:cNvPicPr>
+            <a:picLocks noChangeAspect="1"/>
+          </p:cNvPicPr>
+          <p:nvPr/>
+        </p:nvPicPr>
+        <p:blipFill>
+          <a:blip r:embed="rId4"/>
+          <a:stretch>
+            <a:fillRect/>
+          </a:stretch>
+        </p:blipFill>
+        <p:spPr>
+          <a:xfrm>
+            <a:off x="928071" y="4742964"/>
+            <a:ext cx="8736629" cy="2115035"/>
+          </a:xfrm>
+          <a:prstGeom prst="rect">
+            <a:avLst/>
+          </a:prstGeom>
+        </p:spPr>
+      </p:pic>
+    </p:spTree>
+    <p:extLst>
+      <p:ext uri="{BB962C8B-B14F-4D97-AF65-F5344CB8AC3E}">
+        <p14:creationId xmlns:p14="http://schemas.microsoft.com/office/powerpoint/2010/main" val="3334582547"/>
+      </p:ext>
+    </p:extLst>
+  </p:cSld>
+  <p:clrMapOvr>
+    <a:masterClrMapping/>
+  </p:clrMapOvr>
+</p:sld>
+</file>
+
+<file path=ppt/slides/slide4.xml><?xml version="1.0" encoding="utf-8"?>
+<p:sld xmlns:a="http://schemas.openxmlformats.org/drawingml/2006/main" xmlns:r="http://schemas.openxmlformats.org/officeDocument/2006/relationships" xmlns:p="http://schemas.openxmlformats.org/presentationml/2006/main">
+  <p:cSld>
+    <p:spTree>
+      <p:nvGrpSpPr>
+        <p:cNvPr id="1" name=""/>
+        <p:cNvGrpSpPr/>
+        <p:nvPr/>
+      </p:nvGrpSpPr>
+      <p:grpSpPr>
+        <a:xfrm>
+          <a:off x="0" y="0"/>
+          <a:ext cx="0" cy="0"/>
+          <a:chOff x="0" y="0"/>
+          <a:chExt cx="0" cy="0"/>
+        </a:xfrm>
+      </p:grpSpPr>
+      <p:sp>
+        <p:nvSpPr>
+          <p:cNvPr id="3" name="부제목 2"/>
+          <p:cNvSpPr>
+            <a:spLocks noGrp="1"/>
+          </p:cNvSpPr>
+          <p:nvPr>
+            <p:ph type="subTitle" idx="1"/>
+          </p:nvPr>
+        </p:nvSpPr>
+        <p:spPr>
+          <a:xfrm>
+            <a:off x="1316567" y="164633"/>
+            <a:ext cx="7766936" cy="1096899"/>
+          </a:xfrm>
+        </p:spPr>
+        <p:txBody>
+          <a:bodyPr/>
+          <a:lstStyle/>
+          <a:p>
+            <a:pPr algn="ctr"/>
+            <a:r>
+              <a:rPr lang="ko-KR" altLang="en-US" b="1" dirty="0" smtClean="0">
+                <a:solidFill>
+                  <a:schemeClr val="tx1"/>
+                </a:solidFill>
+              </a:rPr>
+              <a:t>브런치 머지</a:t>
+            </a:r>
+            <a:endParaRPr lang="zh-CN" altLang="en-US" b="1" dirty="0">
+              <a:solidFill>
+                <a:schemeClr val="tx1"/>
+              </a:solidFill>
+            </a:endParaRPr>
+          </a:p>
+        </p:txBody>
+      </p:sp>
+      <p:sp>
+        <p:nvSpPr>
+          <p:cNvPr id="5" name="부제목 2"/>
+          <p:cNvSpPr txBox="1">
+            <a:spLocks/>
+          </p:cNvSpPr>
+          <p:nvPr/>
+        </p:nvSpPr>
+        <p:spPr>
+          <a:xfrm>
+            <a:off x="200024" y="5073419"/>
+            <a:ext cx="11458576" cy="1096899"/>
+          </a:xfrm>
+          <a:prstGeom prst="rect">
+            <a:avLst/>
+          </a:prstGeom>
+        </p:spPr>
+        <p:txBody>
+          <a:bodyPr vert="horz" lIns="91440" tIns="45720" rIns="91440" bIns="45720" rtlCol="0" anchor="t">
+            <a:normAutofit/>
+          </a:bodyPr>
+          <a:lstStyle>
+            <a:lvl1pPr marL="0" indent="0" algn="r" defTabSz="457200" rtl="0" eaLnBrk="1" latinLnBrk="0" hangingPunct="1">
+              <a:spcBef>
+                <a:spcPts val="1000"/>
+              </a:spcBef>
+              <a:spcAft>
+                <a:spcPts val="0"/>
+              </a:spcAft>
+              <a:buClr>
+                <a:schemeClr val="accent1"/>
+              </a:buClr>
+              <a:buSzPct val="80000"/>
+              <a:buFont typeface="Wingdings 3" charset="2"/>
+              <a:buNone/>
+              <a:defRPr sz="1800" kern="1200">
+                <a:solidFill>
+                  <a:schemeClr val="tx1">
+                    <a:lumMod val="50000"/>
+                    <a:lumOff val="50000"/>
+                  </a:schemeClr>
+                </a:solidFill>
+                <a:latin typeface="+mn-lt"/>
+                <a:ea typeface="+mn-ea"/>
+                <a:cs typeface="+mn-cs"/>
+              </a:defRPr>
+            </a:lvl1pPr>
+            <a:lvl2pPr marL="457200" indent="0" algn="ctr" defTabSz="457200" rtl="0" eaLnBrk="1" latinLnBrk="0" hangingPunct="1">
+              <a:spcBef>
+                <a:spcPts val="1000"/>
+              </a:spcBef>
+              <a:spcAft>
+                <a:spcPts val="0"/>
+              </a:spcAft>
+              <a:buClr>
+                <a:schemeClr val="accent1"/>
+              </a:buClr>
+              <a:buSzPct val="80000"/>
+              <a:buFont typeface="Wingdings 3" charset="2"/>
+              <a:buNone/>
+              <a:defRPr sz="1600" kern="1200">
+                <a:solidFill>
+                  <a:schemeClr val="tx1">
+                    <a:tint val="75000"/>
+                  </a:schemeClr>
+                </a:solidFill>
+                <a:latin typeface="+mn-lt"/>
+                <a:ea typeface="+mn-ea"/>
+                <a:cs typeface="+mn-cs"/>
+              </a:defRPr>
+            </a:lvl2pPr>
+            <a:lvl3pPr marL="914400" indent="0" algn="ctr" defTabSz="457200" rtl="0" eaLnBrk="1" latinLnBrk="0" hangingPunct="1">
+              <a:spcBef>
+                <a:spcPts val="1000"/>
+              </a:spcBef>
+              <a:spcAft>
+                <a:spcPts val="0"/>
+              </a:spcAft>
+              <a:buClr>
+                <a:schemeClr val="accent1"/>
+              </a:buClr>
+              <a:buSzPct val="80000"/>
+              <a:buFont typeface="Wingdings 3" charset="2"/>
+              <a:buNone/>
+              <a:defRPr sz="1400" kern="1200">
+                <a:solidFill>
+                  <a:schemeClr val="tx1">
+                    <a:tint val="75000"/>
+                  </a:schemeClr>
+                </a:solidFill>
+                <a:latin typeface="+mn-lt"/>
+                <a:ea typeface="+mn-ea"/>
+                <a:cs typeface="+mn-cs"/>
+              </a:defRPr>
+            </a:lvl3pPr>
+            <a:lvl4pPr marL="1371600" indent="0" algn="ctr" defTabSz="457200" rtl="0" eaLnBrk="1" latinLnBrk="0" hangingPunct="1">
+              <a:spcBef>
+                <a:spcPts val="1000"/>
+              </a:spcBef>
+              <a:spcAft>
+                <a:spcPts val="0"/>
+              </a:spcAft>
+              <a:buClr>
+                <a:schemeClr val="accent1"/>
+              </a:buClr>
+              <a:buSzPct val="80000"/>
+              <a:buFont typeface="Wingdings 3" charset="2"/>
+              <a:buNone/>
+              <a:defRPr sz="1200" kern="1200">
+                <a:solidFill>
+                  <a:schemeClr val="tx1">
+                    <a:tint val="75000"/>
+                  </a:schemeClr>
+                </a:solidFill>
+                <a:latin typeface="+mn-lt"/>
+                <a:ea typeface="+mn-ea"/>
+                <a:cs typeface="+mn-cs"/>
+              </a:defRPr>
+            </a:lvl4pPr>
+            <a:lvl5pPr marL="1828800" indent="0" algn="ctr" defTabSz="457200" rtl="0" eaLnBrk="1" latinLnBrk="0" hangingPunct="1">
+              <a:spcBef>
+                <a:spcPts val="1000"/>
+              </a:spcBef>
+              <a:spcAft>
+                <a:spcPts val="0"/>
+              </a:spcAft>
+              <a:buClr>
+                <a:schemeClr val="accent1"/>
+              </a:buClr>
+              <a:buSzPct val="80000"/>
+              <a:buFont typeface="Wingdings 3" charset="2"/>
+              <a:buNone/>
+              <a:defRPr sz="1200" kern="1200">
+                <a:solidFill>
+                  <a:schemeClr val="tx1">
+                    <a:tint val="75000"/>
+                  </a:schemeClr>
+                </a:solidFill>
+                <a:latin typeface="+mn-lt"/>
+                <a:ea typeface="+mn-ea"/>
+                <a:cs typeface="+mn-cs"/>
+              </a:defRPr>
+            </a:lvl5pPr>
+            <a:lvl6pPr marL="2286000" indent="0" algn="ctr" defTabSz="457200" rtl="0" eaLnBrk="1" latinLnBrk="0" hangingPunct="1">
+              <a:spcBef>
+                <a:spcPts val="1000"/>
+              </a:spcBef>
+              <a:spcAft>
+                <a:spcPts val="0"/>
+              </a:spcAft>
+              <a:buClr>
+                <a:schemeClr val="accent1"/>
+              </a:buClr>
+              <a:buSzPct val="80000"/>
+              <a:buFont typeface="Wingdings 3" charset="2"/>
+              <a:buNone/>
+              <a:defRPr sz="1200" kern="1200">
+                <a:solidFill>
+                  <a:schemeClr val="tx1">
+                    <a:tint val="75000"/>
+                  </a:schemeClr>
+                </a:solidFill>
+                <a:latin typeface="+mn-lt"/>
+                <a:ea typeface="+mn-ea"/>
+                <a:cs typeface="+mn-cs"/>
+              </a:defRPr>
+            </a:lvl6pPr>
+            <a:lvl7pPr marL="2743200" indent="0" algn="ctr" defTabSz="457200" rtl="0" eaLnBrk="1" latinLnBrk="0" hangingPunct="1">
+              <a:spcBef>
+                <a:spcPts val="1000"/>
+              </a:spcBef>
+              <a:spcAft>
+                <a:spcPts val="0"/>
+              </a:spcAft>
+              <a:buClr>
+                <a:schemeClr val="accent1"/>
+              </a:buClr>
+              <a:buSzPct val="80000"/>
+              <a:buFont typeface="Wingdings 3" charset="2"/>
+              <a:buNone/>
+              <a:defRPr sz="1200" kern="1200">
+                <a:solidFill>
+                  <a:schemeClr val="tx1">
+                    <a:tint val="75000"/>
+                  </a:schemeClr>
+                </a:solidFill>
+                <a:latin typeface="+mn-lt"/>
+                <a:ea typeface="+mn-ea"/>
+                <a:cs typeface="+mn-cs"/>
+              </a:defRPr>
+            </a:lvl7pPr>
+            <a:lvl8pPr marL="3200400" indent="0" algn="ctr" defTabSz="457200" rtl="0" eaLnBrk="1" latinLnBrk="0" hangingPunct="1">
+              <a:spcBef>
+                <a:spcPts val="1000"/>
+              </a:spcBef>
+              <a:spcAft>
+                <a:spcPts val="0"/>
+              </a:spcAft>
+              <a:buClr>
+                <a:schemeClr val="accent1"/>
+              </a:buClr>
+              <a:buSzPct val="80000"/>
+              <a:buFont typeface="Wingdings 3" charset="2"/>
+              <a:buNone/>
+              <a:defRPr sz="1200" kern="1200">
+                <a:solidFill>
+                  <a:schemeClr val="tx1">
+                    <a:tint val="75000"/>
+                  </a:schemeClr>
+                </a:solidFill>
+                <a:latin typeface="+mn-lt"/>
+                <a:ea typeface="+mn-ea"/>
+                <a:cs typeface="+mn-cs"/>
+              </a:defRPr>
+            </a:lvl8pPr>
+            <a:lvl9pPr marL="3657600" indent="0" algn="ctr" defTabSz="457200" rtl="0" eaLnBrk="1" latinLnBrk="0" hangingPunct="1">
+              <a:spcBef>
+                <a:spcPts val="1000"/>
+              </a:spcBef>
+              <a:spcAft>
+                <a:spcPts val="0"/>
+              </a:spcAft>
+              <a:buClr>
+                <a:schemeClr val="accent1"/>
+              </a:buClr>
+              <a:buSzPct val="80000"/>
+              <a:buFont typeface="Wingdings 3" charset="2"/>
+              <a:buNone/>
+              <a:defRPr sz="1200" kern="1200">
+                <a:solidFill>
+                  <a:schemeClr val="tx1">
+                    <a:tint val="75000"/>
+                  </a:schemeClr>
+                </a:solidFill>
+                <a:latin typeface="+mn-lt"/>
+                <a:ea typeface="+mn-ea"/>
+                <a:cs typeface="+mn-cs"/>
+              </a:defRPr>
+            </a:lvl9pPr>
+          </a:lstStyle>
+          <a:p>
+            <a:pPr algn="l"/>
+            <a:r>
+              <a:rPr lang="en-US" altLang="zh-CN" b="1" dirty="0" smtClean="0">
+                <a:solidFill>
+                  <a:schemeClr val="tx1"/>
+                </a:solidFill>
+              </a:rPr>
+              <a:t>Testing </a:t>
+            </a:r>
+            <a:r>
+              <a:rPr lang="ko-KR" altLang="en-US" b="1" dirty="0" smtClean="0">
+                <a:solidFill>
+                  <a:schemeClr val="tx1"/>
+                </a:solidFill>
+              </a:rPr>
+              <a:t>브런치에는 </a:t>
+            </a:r>
+            <a:r>
+              <a:rPr lang="en-US" altLang="ko-KR" b="1" dirty="0" smtClean="0">
+                <a:solidFill>
+                  <a:schemeClr val="tx1"/>
+                </a:solidFill>
+              </a:rPr>
+              <a:t>ppt_chapter3B.pptx</a:t>
+            </a:r>
+            <a:r>
+              <a:rPr lang="ko-KR" altLang="en-US" b="1" dirty="0" smtClean="0">
+                <a:solidFill>
+                  <a:schemeClr val="tx1"/>
+                </a:solidFill>
+              </a:rPr>
+              <a:t>를 </a:t>
+            </a:r>
+            <a:r>
+              <a:rPr lang="ko-KR" altLang="en-US" b="1" dirty="0" err="1" smtClean="0">
+                <a:solidFill>
+                  <a:schemeClr val="tx1"/>
+                </a:solidFill>
+              </a:rPr>
+              <a:t>커밋해두었고</a:t>
+            </a:r>
+            <a:r>
+              <a:rPr lang="ko-KR" altLang="en-US" b="1" dirty="0" smtClean="0">
+                <a:solidFill>
+                  <a:schemeClr val="tx1"/>
+                </a:solidFill>
+              </a:rPr>
+              <a:t> </a:t>
+            </a:r>
+            <a:endParaRPr lang="en-US" altLang="ko-KR" b="1" dirty="0" smtClean="0">
+              <a:solidFill>
+                <a:schemeClr val="tx1"/>
+              </a:solidFill>
+            </a:endParaRPr>
+          </a:p>
+          <a:p>
+            <a:pPr algn="l"/>
+            <a:r>
+              <a:rPr lang="en-US" altLang="zh-CN" b="1" dirty="0" smtClean="0">
+                <a:solidFill>
+                  <a:schemeClr val="tx1"/>
+                </a:solidFill>
+              </a:rPr>
+              <a:t>Master </a:t>
+            </a:r>
+            <a:r>
+              <a:rPr lang="ko-KR" altLang="en-US" b="1" dirty="0" smtClean="0">
+                <a:solidFill>
+                  <a:schemeClr val="tx1"/>
+                </a:solidFill>
+              </a:rPr>
+              <a:t>브런치에는 없다</a:t>
+            </a:r>
+            <a:r>
+              <a:rPr lang="en-US" altLang="ko-KR" b="1" dirty="0" smtClean="0">
+                <a:solidFill>
+                  <a:schemeClr val="tx1"/>
+                </a:solidFill>
+              </a:rPr>
+              <a:t>.</a:t>
+            </a:r>
+            <a:endParaRPr lang="zh-CN" altLang="en-US" b="1" dirty="0">
+              <a:solidFill>
+                <a:schemeClr val="tx1"/>
+              </a:solidFill>
+            </a:endParaRPr>
+          </a:p>
+        </p:txBody>
+      </p:sp>
+      <p:pic>
+        <p:nvPicPr>
+          <p:cNvPr id="4" name="그림 3"/>
+          <p:cNvPicPr>
+            <a:picLocks noChangeAspect="1"/>
+          </p:cNvPicPr>
+          <p:nvPr/>
+        </p:nvPicPr>
+        <p:blipFill>
+          <a:blip r:embed="rId2"/>
+          <a:stretch>
+            <a:fillRect/>
+          </a:stretch>
+        </p:blipFill>
+        <p:spPr>
+          <a:xfrm>
+            <a:off x="0" y="713082"/>
+            <a:ext cx="9969500" cy="1903118"/>
+          </a:xfrm>
+          <a:prstGeom prst="rect">
+            <a:avLst/>
+          </a:prstGeom>
+        </p:spPr>
+      </p:pic>
+      <p:pic>
+        <p:nvPicPr>
+          <p:cNvPr id="10" name="그림 9"/>
+          <p:cNvPicPr>
+            <a:picLocks noChangeAspect="1"/>
+          </p:cNvPicPr>
+          <p:nvPr/>
+        </p:nvPicPr>
+        <p:blipFill>
+          <a:blip r:embed="rId3"/>
+          <a:stretch>
+            <a:fillRect/>
+          </a:stretch>
+        </p:blipFill>
+        <p:spPr>
+          <a:xfrm>
+            <a:off x="0" y="2752724"/>
+            <a:ext cx="9969500" cy="2009775"/>
+          </a:xfrm>
+          <a:prstGeom prst="rect">
+            <a:avLst/>
+          </a:prstGeom>
+        </p:spPr>
+      </p:pic>
+    </p:spTree>
+    <p:extLst>
+      <p:ext uri="{BB962C8B-B14F-4D97-AF65-F5344CB8AC3E}">
+        <p14:creationId xmlns:p14="http://schemas.microsoft.com/office/powerpoint/2010/main" val="90472375"/>
+      </p:ext>
+    </p:extLst>
+  </p:cSld>
+  <p:clrMapOvr>
+    <a:masterClrMapping/>
+  </p:clrMapOvr>
+</p:sld>
+</file>
+
+<file path=ppt/slides/slide5.xml><?xml version="1.0" encoding="utf-8"?>
+<p:sld xmlns:a="http://schemas.openxmlformats.org/drawingml/2006/main" xmlns:r="http://schemas.openxmlformats.org/officeDocument/2006/relationships" xmlns:p="http://schemas.openxmlformats.org/presentationml/2006/main">
+  <p:cSld>
+    <p:spTree>
+      <p:nvGrpSpPr>
+        <p:cNvPr id="1" name=""/>
+        <p:cNvGrpSpPr/>
+        <p:nvPr/>
+      </p:nvGrpSpPr>
+      <p:grpSpPr>
+        <a:xfrm>
+          <a:off x="0" y="0"/>
+          <a:ext cx="0" cy="0"/>
+          <a:chOff x="0" y="0"/>
+          <a:chExt cx="0" cy="0"/>
+        </a:xfrm>
+      </p:grpSpPr>
+      <p:sp>
+        <p:nvSpPr>
+          <p:cNvPr id="3" name="부제목 2"/>
+          <p:cNvSpPr>
+            <a:spLocks noGrp="1"/>
+          </p:cNvSpPr>
+          <p:nvPr>
+            <p:ph type="subTitle" idx="1"/>
+          </p:nvPr>
+        </p:nvSpPr>
+        <p:spPr>
+          <a:xfrm>
+            <a:off x="1316567" y="164633"/>
+            <a:ext cx="7766936" cy="1096899"/>
+          </a:xfrm>
+        </p:spPr>
+        <p:txBody>
+          <a:bodyPr/>
+          <a:lstStyle/>
+          <a:p>
+            <a:pPr algn="ctr"/>
+            <a:r>
+              <a:rPr lang="ko-KR" altLang="en-US" b="1" dirty="0" smtClean="0">
+                <a:solidFill>
+                  <a:schemeClr val="tx1"/>
+                </a:solidFill>
+              </a:rPr>
+              <a:t>브런치 머지</a:t>
+            </a:r>
+            <a:endParaRPr lang="zh-CN" altLang="en-US" b="1" dirty="0">
+              <a:solidFill>
+                <a:schemeClr val="tx1"/>
+              </a:solidFill>
+            </a:endParaRPr>
+          </a:p>
+        </p:txBody>
+      </p:sp>
+      <p:sp>
+        <p:nvSpPr>
+          <p:cNvPr id="5" name="부제목 2"/>
+          <p:cNvSpPr txBox="1">
+            <a:spLocks/>
+          </p:cNvSpPr>
+          <p:nvPr/>
+        </p:nvSpPr>
+        <p:spPr>
+          <a:xfrm>
+            <a:off x="200024" y="5073419"/>
+            <a:ext cx="11458576" cy="1096899"/>
+          </a:xfrm>
+          <a:prstGeom prst="rect">
+            <a:avLst/>
+          </a:prstGeom>
+        </p:spPr>
+        <p:txBody>
+          <a:bodyPr vert="horz" lIns="91440" tIns="45720" rIns="91440" bIns="45720" rtlCol="0" anchor="t">
+            <a:normAutofit/>
+          </a:bodyPr>
+          <a:lstStyle>
+            <a:lvl1pPr marL="0" indent="0" algn="r" defTabSz="457200" rtl="0" eaLnBrk="1" latinLnBrk="0" hangingPunct="1">
+              <a:spcBef>
+                <a:spcPts val="1000"/>
+              </a:spcBef>
+              <a:spcAft>
+                <a:spcPts val="0"/>
+              </a:spcAft>
+              <a:buClr>
+                <a:schemeClr val="accent1"/>
+              </a:buClr>
+              <a:buSzPct val="80000"/>
+              <a:buFont typeface="Wingdings 3" charset="2"/>
+              <a:buNone/>
+              <a:defRPr sz="1800" kern="1200">
+                <a:solidFill>
+                  <a:schemeClr val="tx1">
+                    <a:lumMod val="50000"/>
+                    <a:lumOff val="50000"/>
+                  </a:schemeClr>
+                </a:solidFill>
+                <a:latin typeface="+mn-lt"/>
+                <a:ea typeface="+mn-ea"/>
+                <a:cs typeface="+mn-cs"/>
+              </a:defRPr>
+            </a:lvl1pPr>
+            <a:lvl2pPr marL="457200" indent="0" algn="ctr" defTabSz="457200" rtl="0" eaLnBrk="1" latinLnBrk="0" hangingPunct="1">
+              <a:spcBef>
+                <a:spcPts val="1000"/>
+              </a:spcBef>
+              <a:spcAft>
+                <a:spcPts val="0"/>
+              </a:spcAft>
+              <a:buClr>
+                <a:schemeClr val="accent1"/>
+              </a:buClr>
+              <a:buSzPct val="80000"/>
+              <a:buFont typeface="Wingdings 3" charset="2"/>
+              <a:buNone/>
+              <a:defRPr sz="1600" kern="1200">
+                <a:solidFill>
+                  <a:schemeClr val="tx1">
+                    <a:tint val="75000"/>
+                  </a:schemeClr>
+                </a:solidFill>
+                <a:latin typeface="+mn-lt"/>
+                <a:ea typeface="+mn-ea"/>
+                <a:cs typeface="+mn-cs"/>
+              </a:defRPr>
+            </a:lvl2pPr>
+            <a:lvl3pPr marL="914400" indent="0" algn="ctr" defTabSz="457200" rtl="0" eaLnBrk="1" latinLnBrk="0" hangingPunct="1">
+              <a:spcBef>
+                <a:spcPts val="1000"/>
+              </a:spcBef>
+              <a:spcAft>
+                <a:spcPts val="0"/>
+              </a:spcAft>
+              <a:buClr>
+                <a:schemeClr val="accent1"/>
+              </a:buClr>
+              <a:buSzPct val="80000"/>
+              <a:buFont typeface="Wingdings 3" charset="2"/>
+              <a:buNone/>
+              <a:defRPr sz="1400" kern="1200">
+                <a:solidFill>
+                  <a:schemeClr val="tx1">
+                    <a:tint val="75000"/>
+                  </a:schemeClr>
+                </a:solidFill>
+                <a:latin typeface="+mn-lt"/>
+                <a:ea typeface="+mn-ea"/>
+                <a:cs typeface="+mn-cs"/>
+              </a:defRPr>
+            </a:lvl3pPr>
+            <a:lvl4pPr marL="1371600" indent="0" algn="ctr" defTabSz="457200" rtl="0" eaLnBrk="1" latinLnBrk="0" hangingPunct="1">
+              <a:spcBef>
+                <a:spcPts val="1000"/>
+              </a:spcBef>
+              <a:spcAft>
+                <a:spcPts val="0"/>
+              </a:spcAft>
+              <a:buClr>
+                <a:schemeClr val="accent1"/>
+              </a:buClr>
+              <a:buSzPct val="80000"/>
+              <a:buFont typeface="Wingdings 3" charset="2"/>
+              <a:buNone/>
+              <a:defRPr sz="1200" kern="1200">
+                <a:solidFill>
+                  <a:schemeClr val="tx1">
+                    <a:tint val="75000"/>
+                  </a:schemeClr>
+                </a:solidFill>
+                <a:latin typeface="+mn-lt"/>
+                <a:ea typeface="+mn-ea"/>
+                <a:cs typeface="+mn-cs"/>
+              </a:defRPr>
+            </a:lvl4pPr>
+            <a:lvl5pPr marL="1828800" indent="0" algn="ctr" defTabSz="457200" rtl="0" eaLnBrk="1" latinLnBrk="0" hangingPunct="1">
+              <a:spcBef>
+                <a:spcPts val="1000"/>
+              </a:spcBef>
+              <a:spcAft>
+                <a:spcPts val="0"/>
+              </a:spcAft>
+              <a:buClr>
+                <a:schemeClr val="accent1"/>
+              </a:buClr>
+              <a:buSzPct val="80000"/>
+              <a:buFont typeface="Wingdings 3" charset="2"/>
+              <a:buNone/>
+              <a:defRPr sz="1200" kern="1200">
+                <a:solidFill>
+                  <a:schemeClr val="tx1">
+                    <a:tint val="75000"/>
+                  </a:schemeClr>
+                </a:solidFill>
+                <a:latin typeface="+mn-lt"/>
+                <a:ea typeface="+mn-ea"/>
+                <a:cs typeface="+mn-cs"/>
+              </a:defRPr>
+            </a:lvl5pPr>
+            <a:lvl6pPr marL="2286000" indent="0" algn="ctr" defTabSz="457200" rtl="0" eaLnBrk="1" latinLnBrk="0" hangingPunct="1">
+              <a:spcBef>
+                <a:spcPts val="1000"/>
+              </a:spcBef>
+              <a:spcAft>
+                <a:spcPts val="0"/>
+              </a:spcAft>
+              <a:buClr>
+                <a:schemeClr val="accent1"/>
+              </a:buClr>
+              <a:buSzPct val="80000"/>
+              <a:buFont typeface="Wingdings 3" charset="2"/>
+              <a:buNone/>
+              <a:defRPr sz="1200" kern="1200">
+                <a:solidFill>
+                  <a:schemeClr val="tx1">
+                    <a:tint val="75000"/>
+                  </a:schemeClr>
+                </a:solidFill>
+                <a:latin typeface="+mn-lt"/>
+                <a:ea typeface="+mn-ea"/>
+                <a:cs typeface="+mn-cs"/>
+              </a:defRPr>
+            </a:lvl6pPr>
+            <a:lvl7pPr marL="2743200" indent="0" algn="ctr" defTabSz="457200" rtl="0" eaLnBrk="1" latinLnBrk="0" hangingPunct="1">
+              <a:spcBef>
+                <a:spcPts val="1000"/>
+              </a:spcBef>
+              <a:spcAft>
+                <a:spcPts val="0"/>
+              </a:spcAft>
+              <a:buClr>
+                <a:schemeClr val="accent1"/>
+              </a:buClr>
+              <a:buSzPct val="80000"/>
+              <a:buFont typeface="Wingdings 3" charset="2"/>
+              <a:buNone/>
+              <a:defRPr sz="1200" kern="1200">
+                <a:solidFill>
+                  <a:schemeClr val="tx1">
+                    <a:tint val="75000"/>
+                  </a:schemeClr>
+                </a:solidFill>
+                <a:latin typeface="+mn-lt"/>
+                <a:ea typeface="+mn-ea"/>
+                <a:cs typeface="+mn-cs"/>
+              </a:defRPr>
+            </a:lvl7pPr>
+            <a:lvl8pPr marL="3200400" indent="0" algn="ctr" defTabSz="457200" rtl="0" eaLnBrk="1" latinLnBrk="0" hangingPunct="1">
+              <a:spcBef>
+                <a:spcPts val="1000"/>
+              </a:spcBef>
+              <a:spcAft>
+                <a:spcPts val="0"/>
+              </a:spcAft>
+              <a:buClr>
+                <a:schemeClr val="accent1"/>
+              </a:buClr>
+              <a:buSzPct val="80000"/>
+              <a:buFont typeface="Wingdings 3" charset="2"/>
+              <a:buNone/>
+              <a:defRPr sz="1200" kern="1200">
+                <a:solidFill>
+                  <a:schemeClr val="tx1">
+                    <a:tint val="75000"/>
+                  </a:schemeClr>
+                </a:solidFill>
+                <a:latin typeface="+mn-lt"/>
+                <a:ea typeface="+mn-ea"/>
+                <a:cs typeface="+mn-cs"/>
+              </a:defRPr>
+            </a:lvl8pPr>
+            <a:lvl9pPr marL="3657600" indent="0" algn="ctr" defTabSz="457200" rtl="0" eaLnBrk="1" latinLnBrk="0" hangingPunct="1">
+              <a:spcBef>
+                <a:spcPts val="1000"/>
+              </a:spcBef>
+              <a:spcAft>
+                <a:spcPts val="0"/>
+              </a:spcAft>
+              <a:buClr>
+                <a:schemeClr val="accent1"/>
+              </a:buClr>
+              <a:buSzPct val="80000"/>
+              <a:buFont typeface="Wingdings 3" charset="2"/>
+              <a:buNone/>
+              <a:defRPr sz="1200" kern="1200">
+                <a:solidFill>
+                  <a:schemeClr val="tx1">
+                    <a:tint val="75000"/>
+                  </a:schemeClr>
+                </a:solidFill>
+                <a:latin typeface="+mn-lt"/>
+                <a:ea typeface="+mn-ea"/>
+                <a:cs typeface="+mn-cs"/>
+              </a:defRPr>
+            </a:lvl9pPr>
+          </a:lstStyle>
+          <a:p>
+            <a:pPr algn="l"/>
+            <a:r>
+              <a:rPr lang="en-US" altLang="zh-CN" b="1" dirty="0" smtClean="0">
+                <a:solidFill>
+                  <a:schemeClr val="tx1"/>
+                </a:solidFill>
+              </a:rPr>
+              <a:t>Master </a:t>
+            </a:r>
+            <a:r>
+              <a:rPr lang="ko-KR" altLang="en-US" b="1" dirty="0" smtClean="0">
+                <a:solidFill>
+                  <a:schemeClr val="tx1"/>
+                </a:solidFill>
+              </a:rPr>
+              <a:t>브런치에는 </a:t>
+            </a:r>
+            <a:r>
+              <a:rPr lang="ko-KR" altLang="en-US" b="1" dirty="0" err="1" smtClean="0">
+                <a:solidFill>
+                  <a:schemeClr val="tx1"/>
+                </a:solidFill>
+              </a:rPr>
+              <a:t>수정전의</a:t>
+            </a:r>
+            <a:r>
+              <a:rPr lang="ko-KR" altLang="en-US" b="1" dirty="0" smtClean="0">
+                <a:solidFill>
+                  <a:schemeClr val="tx1"/>
+                </a:solidFill>
+              </a:rPr>
+              <a:t> </a:t>
+            </a:r>
+            <a:r>
+              <a:rPr lang="en-US" altLang="ko-KR" b="1" dirty="0" smtClean="0">
+                <a:solidFill>
+                  <a:schemeClr val="tx1"/>
+                </a:solidFill>
+              </a:rPr>
+              <a:t>ppt_chapter3.pptx(</a:t>
+            </a:r>
+            <a:r>
+              <a:rPr lang="ko-KR" altLang="en-US" b="1" dirty="0" err="1" smtClean="0">
+                <a:solidFill>
+                  <a:schemeClr val="tx1"/>
+                </a:solidFill>
+              </a:rPr>
+              <a:t>파일용량</a:t>
+            </a:r>
+            <a:r>
+              <a:rPr lang="en-US" altLang="ko-KR" b="1" dirty="0" smtClean="0">
+                <a:solidFill>
+                  <a:schemeClr val="tx1"/>
+                </a:solidFill>
+              </a:rPr>
+              <a:t>)</a:t>
+            </a:r>
+          </a:p>
+          <a:p>
+            <a:pPr algn="l"/>
+            <a:r>
+              <a:rPr lang="en-US" altLang="zh-CN" b="1" dirty="0">
+                <a:solidFill>
+                  <a:schemeClr val="tx1"/>
+                </a:solidFill>
+              </a:rPr>
+              <a:t>Testing </a:t>
+            </a:r>
+            <a:r>
+              <a:rPr lang="ko-KR" altLang="en-US" b="1" dirty="0">
+                <a:solidFill>
+                  <a:schemeClr val="tx1"/>
+                </a:solidFill>
+              </a:rPr>
+              <a:t>브런치에는 </a:t>
+            </a:r>
+            <a:r>
+              <a:rPr lang="ko-KR" altLang="en-US" b="1" dirty="0" err="1" smtClean="0">
+                <a:solidFill>
+                  <a:schemeClr val="tx1"/>
+                </a:solidFill>
+              </a:rPr>
+              <a:t>수정후의</a:t>
+            </a:r>
+            <a:r>
+              <a:rPr lang="ko-KR" altLang="en-US" b="1" dirty="0" smtClean="0">
+                <a:solidFill>
+                  <a:schemeClr val="tx1"/>
+                </a:solidFill>
+              </a:rPr>
+              <a:t> </a:t>
+            </a:r>
+            <a:r>
+              <a:rPr lang="en-US" altLang="ko-KR" b="1" dirty="0" smtClean="0">
+                <a:solidFill>
+                  <a:schemeClr val="tx1"/>
+                </a:solidFill>
+              </a:rPr>
+              <a:t>ppt_chapter3.pptx</a:t>
+            </a:r>
+            <a:r>
+              <a:rPr lang="ko-KR" altLang="en-US" b="1" dirty="0" smtClean="0">
+                <a:solidFill>
+                  <a:schemeClr val="tx1"/>
+                </a:solidFill>
+              </a:rPr>
+              <a:t>가 있다</a:t>
+            </a:r>
+            <a:r>
+              <a:rPr lang="en-US" altLang="ko-KR" b="1" dirty="0" smtClean="0">
+                <a:solidFill>
+                  <a:schemeClr val="tx1"/>
+                </a:solidFill>
+              </a:rPr>
+              <a:t>.</a:t>
+            </a:r>
+            <a:endParaRPr lang="zh-CN" altLang="en-US" b="1" dirty="0">
+              <a:solidFill>
+                <a:schemeClr val="tx1"/>
+              </a:solidFill>
+            </a:endParaRPr>
+          </a:p>
+        </p:txBody>
+      </p:sp>
+      <p:pic>
+        <p:nvPicPr>
+          <p:cNvPr id="4" name="그림 3"/>
+          <p:cNvPicPr>
+            <a:picLocks noChangeAspect="1"/>
+          </p:cNvPicPr>
+          <p:nvPr/>
+        </p:nvPicPr>
+        <p:blipFill>
+          <a:blip r:embed="rId2"/>
+          <a:stretch>
+            <a:fillRect/>
+          </a:stretch>
+        </p:blipFill>
+        <p:spPr>
+          <a:xfrm>
+            <a:off x="0" y="713082"/>
+            <a:ext cx="9969500" cy="1903118"/>
+          </a:xfrm>
+          <a:prstGeom prst="rect">
+            <a:avLst/>
+          </a:prstGeom>
+        </p:spPr>
+      </p:pic>
+      <p:pic>
+        <p:nvPicPr>
+          <p:cNvPr id="10" name="그림 9"/>
+          <p:cNvPicPr>
+            <a:picLocks noChangeAspect="1"/>
+          </p:cNvPicPr>
+          <p:nvPr/>
+        </p:nvPicPr>
+        <p:blipFill>
+          <a:blip r:embed="rId3"/>
+          <a:stretch>
+            <a:fillRect/>
+          </a:stretch>
+        </p:blipFill>
+        <p:spPr>
+          <a:xfrm>
+            <a:off x="0" y="2752724"/>
+            <a:ext cx="9969500" cy="2009775"/>
+          </a:xfrm>
+          <a:prstGeom prst="rect">
+            <a:avLst/>
+          </a:prstGeom>
+        </p:spPr>
+      </p:pic>
+    </p:spTree>
+    <p:extLst>
+      <p:ext uri="{BB962C8B-B14F-4D97-AF65-F5344CB8AC3E}">
+        <p14:creationId xmlns:p14="http://schemas.microsoft.com/office/powerpoint/2010/main" val="2196046852"/>
       </p:ext>
     </p:extLst>
   </p:cSld>

--- a/ppt_chapter3.pptx
+++ b/ppt_chapter3.pptx
@@ -8036,7 +8036,7 @@
       </p:sp>
       <p:pic>
         <p:nvPicPr>
-          <p:cNvPr id="4" name="그림 3"/>
+          <p:cNvPr id="10" name="그림 9"/>
           <p:cNvPicPr>
             <a:picLocks noChangeAspect="1"/>
           </p:cNvPicPr>
@@ -8050,8 +8050,8 @@
         </p:blipFill>
         <p:spPr>
           <a:xfrm>
-            <a:off x="0" y="713082"/>
-            <a:ext cx="9969500" cy="1903118"/>
+            <a:off x="0" y="593724"/>
+            <a:ext cx="9969500" cy="2009775"/>
           </a:xfrm>
           <a:prstGeom prst="rect">
             <a:avLst/>
@@ -8060,7 +8060,7 @@
       </p:pic>
       <p:pic>
         <p:nvPicPr>
-          <p:cNvPr id="10" name="그림 9"/>
+          <p:cNvPr id="2" name="그림 1"/>
           <p:cNvPicPr>
             <a:picLocks noChangeAspect="1"/>
           </p:cNvPicPr>
@@ -8074,8 +8074,8 @@
         </p:blipFill>
         <p:spPr>
           <a:xfrm>
-            <a:off x="0" y="2752724"/>
-            <a:ext cx="9969500" cy="2009775"/>
+            <a:off x="37484" y="2774189"/>
+            <a:ext cx="9932015" cy="1914525"/>
           </a:xfrm>
           <a:prstGeom prst="rect">
             <a:avLst/>
